--- a/Presentation.pptx
+++ b/Presentation.pptx
@@ -116,7 +116,16 @@
       </a:defRPr>
     </a:lvl9pPr>
   </p:defaultTextStyle>
+  <p:extLst>
+    <p:ext uri="{EFAFB233-063F-42B5-8137-9DF3F51BA10A}">
+      <p15:sldGuideLst xmlns:p15="http://schemas.microsoft.com/office/powerpoint/2012/main"/>
+    </p:ext>
+  </p:extLst>
 </p:presentation>
+</file>
+
+<file path=ppt/revisionInfo.xml><?xml version="1.0" encoding="utf-8"?>
+<p1510:revInfo xmlns:a="http://schemas.openxmlformats.org/drawingml/2006/main" xmlns:r="http://schemas.openxmlformats.org/officeDocument/2006/relationships" xmlns:p1510="http://schemas.microsoft.com/office/powerpoint/2015/10/main"/>
 </file>
 
 <file path=ppt/slideLayouts/slideLayout1.xml><?xml version="1.0" encoding="utf-8"?>
@@ -8102,10 +8111,10 @@
       </p:sp>
       <p:pic>
         <p:nvPicPr>
-          <p:cNvPr id="5" name="Content Placeholder 4" descr="A screenshot of a computer screen&#10;&#10;Description generated with high confidence">
+          <p:cNvPr id="7" name="Content Placeholder 6" descr="A screenshot of a computer screen&#10;&#10;Description generated with high confidence">
             <a:extLst>
               <a:ext uri="{FF2B5EF4-FFF2-40B4-BE49-F238E27FC236}">
-                <a16:creationId xmlns:a16="http://schemas.microsoft.com/office/drawing/2014/main" id="{C7355E23-756B-4FE1-9FDE-107AF9E4A260}"/>
+                <a16:creationId xmlns:a16="http://schemas.microsoft.com/office/drawing/2014/main" id="{FC7D9EEF-7D4F-44D0-B170-A016A5772585}"/>
               </a:ext>
             </a:extLst>
           </p:cNvPr>
@@ -8124,8 +8133,8 @@
         </p:blipFill>
         <p:spPr>
           <a:xfrm>
-            <a:off x="1015614" y="2336800"/>
-            <a:ext cx="8944747" cy="3598863"/>
+            <a:off x="2100823" y="2336800"/>
+            <a:ext cx="6774330" cy="3598863"/>
           </a:xfrm>
         </p:spPr>
       </p:pic>
